--- a/presentations/deltas.pptx
+++ b/presentations/deltas.pptx
@@ -229,7 +229,7 @@
           <a:p>
             <a:fld id="{A76E72AA-4354-431E-A5C5-04EB0AE4CC39}" type="datetimeFigureOut">
               <a:rPr lang="en-US" smtClean="0"/>
-              <a:t>8/27/2015</a:t>
+              <a:t>8/28/2015</a:t>
             </a:fld>
             <a:endParaRPr lang="en-US"/>
           </a:p>
@@ -1946,7 +1946,7 @@
           <a:p>
             <a:fld id="{76AA7591-E11C-FC4A-AA6F-CE54D03C6E71}" type="datetimeFigureOut">
               <a:rPr lang="en-US" smtClean="0"/>
-              <a:t>8/27/2015</a:t>
+              <a:t>8/28/2015</a:t>
             </a:fld>
             <a:endParaRPr lang="en-US"/>
           </a:p>
@@ -2116,7 +2116,7 @@
           <a:p>
             <a:fld id="{76AA7591-E11C-FC4A-AA6F-CE54D03C6E71}" type="datetimeFigureOut">
               <a:rPr lang="en-US" smtClean="0"/>
-              <a:t>8/27/2015</a:t>
+              <a:t>8/28/2015</a:t>
             </a:fld>
             <a:endParaRPr lang="en-US"/>
           </a:p>
@@ -2296,7 +2296,7 @@
           <a:p>
             <a:fld id="{76AA7591-E11C-FC4A-AA6F-CE54D03C6E71}" type="datetimeFigureOut">
               <a:rPr lang="en-US" smtClean="0"/>
-              <a:t>8/27/2015</a:t>
+              <a:t>8/28/2015</a:t>
             </a:fld>
             <a:endParaRPr lang="en-US"/>
           </a:p>
@@ -2466,7 +2466,7 @@
           <a:p>
             <a:fld id="{76AA7591-E11C-FC4A-AA6F-CE54D03C6E71}" type="datetimeFigureOut">
               <a:rPr lang="en-US" smtClean="0"/>
-              <a:t>8/27/2015</a:t>
+              <a:t>8/28/2015</a:t>
             </a:fld>
             <a:endParaRPr lang="en-US"/>
           </a:p>
@@ -2712,7 +2712,7 @@
           <a:p>
             <a:fld id="{76AA7591-E11C-FC4A-AA6F-CE54D03C6E71}" type="datetimeFigureOut">
               <a:rPr lang="en-US" smtClean="0"/>
-              <a:t>8/27/2015</a:t>
+              <a:t>8/28/2015</a:t>
             </a:fld>
             <a:endParaRPr lang="en-US"/>
           </a:p>
@@ -3000,7 +3000,7 @@
           <a:p>
             <a:fld id="{76AA7591-E11C-FC4A-AA6F-CE54D03C6E71}" type="datetimeFigureOut">
               <a:rPr lang="en-US" smtClean="0"/>
-              <a:t>8/27/2015</a:t>
+              <a:t>8/28/2015</a:t>
             </a:fld>
             <a:endParaRPr lang="en-US"/>
           </a:p>
@@ -3422,7 +3422,7 @@
           <a:p>
             <a:fld id="{76AA7591-E11C-FC4A-AA6F-CE54D03C6E71}" type="datetimeFigureOut">
               <a:rPr lang="en-US" smtClean="0"/>
-              <a:t>8/27/2015</a:t>
+              <a:t>8/28/2015</a:t>
             </a:fld>
             <a:endParaRPr lang="en-US"/>
           </a:p>
@@ -3540,7 +3540,7 @@
           <a:p>
             <a:fld id="{76AA7591-E11C-FC4A-AA6F-CE54D03C6E71}" type="datetimeFigureOut">
               <a:rPr lang="en-US" smtClean="0"/>
-              <a:t>8/27/2015</a:t>
+              <a:t>8/28/2015</a:t>
             </a:fld>
             <a:endParaRPr lang="en-US"/>
           </a:p>
@@ -3635,7 +3635,7 @@
           <a:p>
             <a:fld id="{76AA7591-E11C-FC4A-AA6F-CE54D03C6E71}" type="datetimeFigureOut">
               <a:rPr lang="en-US" smtClean="0"/>
-              <a:t>8/27/2015</a:t>
+              <a:t>8/28/2015</a:t>
             </a:fld>
             <a:endParaRPr lang="en-US"/>
           </a:p>
@@ -3912,7 +3912,7 @@
           <a:p>
             <a:fld id="{76AA7591-E11C-FC4A-AA6F-CE54D03C6E71}" type="datetimeFigureOut">
               <a:rPr lang="en-US" smtClean="0"/>
-              <a:t>8/27/2015</a:t>
+              <a:t>8/28/2015</a:t>
             </a:fld>
             <a:endParaRPr lang="en-US"/>
           </a:p>
@@ -4165,7 +4165,7 @@
           <a:p>
             <a:fld id="{76AA7591-E11C-FC4A-AA6F-CE54D03C6E71}" type="datetimeFigureOut">
               <a:rPr lang="en-US" smtClean="0"/>
-              <a:t>8/27/2015</a:t>
+              <a:t>8/28/2015</a:t>
             </a:fld>
             <a:endParaRPr lang="en-US"/>
           </a:p>
@@ -4378,7 +4378,7 @@
           <a:p>
             <a:fld id="{76AA7591-E11C-FC4A-AA6F-CE54D03C6E71}" type="datetimeFigureOut">
               <a:rPr lang="en-US" smtClean="0"/>
-              <a:t>8/27/2015</a:t>
+              <a:t>8/28/2015</a:t>
             </a:fld>
             <a:endParaRPr lang="en-US"/>
           </a:p>
@@ -4793,22 +4793,6 @@
           </a:bodyPr>
           <a:lstStyle/>
           <a:p>
-            <a:r>
-              <a:rPr lang="en-US" b="1" dirty="0" smtClean="0"/>
-              <a:t>James </a:t>
-            </a:r>
-            <a:r>
-              <a:rPr lang="en-US" b="1" dirty="0" smtClean="0"/>
-              <a:t>Thomas</a:t>
-            </a:r>
-            <a:r>
-              <a:rPr lang="en-US" dirty="0"/>
-              <a:t> </a:t>
-            </a:r>
-            <a:r>
-              <a:rPr lang="en-US" dirty="0" smtClean="0"/>
-              <a:t>et. al.</a:t>
-            </a:r>
             <a:endParaRPr lang="en-US" dirty="0"/>
           </a:p>
         </p:txBody>
